--- a/talks/2015-02-01-Compose-Z3-tutorial.pptx
+++ b/talks/2015-02-01-Compose-Z3-tutorial.pptx
@@ -324,7 +324,7 @@
           <a:p>
             <a:fld id="{DE219B1A-AE41-483B-A766-69B9363DDA6A}" type="datetimeFigureOut">
               <a:rPr lang="en-US" smtClean="0"/>
-              <a:t>2/1/2015</a:t>
+              <a:t>3/4/2016</a:t>
             </a:fld>
             <a:endParaRPr lang="en-US"/>
           </a:p>
@@ -709,7 +709,7 @@
           <a:p>
             <a:fld id="{D51B1278-D92B-4AF3-A9C1-71DD298190CE}" type="datetimeFigureOut">
               <a:rPr lang="en-US" smtClean="0"/>
-              <a:t>2/1/2015</a:t>
+              <a:t>3/4/2016</a:t>
             </a:fld>
             <a:endParaRPr lang="en-US"/>
           </a:p>
@@ -1214,7 +1214,7 @@
           <a:p>
             <a:fld id="{16874DC4-A10A-4B5C-9AA4-537210265910}" type="datetime1">
               <a:rPr lang="en-US" smtClean="0"/>
-              <a:t>2/1/2015</a:t>
+              <a:t>3/4/2016</a:t>
             </a:fld>
             <a:endParaRPr lang="en-US"/>
           </a:p>
@@ -1979,7 +1979,7 @@
           <a:p>
             <a:fld id="{6D39C1DE-9BDB-41B7-B18D-E9153E99D65D}" type="datetime1">
               <a:rPr lang="en-US" smtClean="0"/>
-              <a:t>2/1/2015</a:t>
+              <a:t>3/4/2016</a:t>
             </a:fld>
             <a:endParaRPr lang="en-US"/>
           </a:p>
@@ -2149,7 +2149,7 @@
             <a:fld id="{20CE17AF-4091-48A7-8681-C3B1BE5CA3B0}" type="datetime1">
               <a:rPr lang="en-GB" smtClean="0"/>
               <a:pPr/>
-              <a:t>01/02/2015</a:t>
+              <a:t>04/03/2016</a:t>
             </a:fld>
             <a:endParaRPr lang="en-GB" dirty="0"/>
           </a:p>
@@ -2385,7 +2385,7 @@
             <a:fld id="{20CE17AF-4091-48A7-8681-C3B1BE5CA3B0}" type="datetime1">
               <a:rPr lang="en-GB" smtClean="0"/>
               <a:pPr/>
-              <a:t>01/02/2015</a:t>
+              <a:t>04/03/2016</a:t>
             </a:fld>
             <a:endParaRPr lang="en-GB" dirty="0"/>
           </a:p>
@@ -2664,7 +2664,7 @@
             <a:fld id="{20CE17AF-4091-48A7-8681-C3B1BE5CA3B0}" type="datetime1">
               <a:rPr lang="en-GB" smtClean="0"/>
               <a:pPr/>
-              <a:t>01/02/2015</a:t>
+              <a:t>04/03/2016</a:t>
             </a:fld>
             <a:endParaRPr lang="en-GB" dirty="0"/>
           </a:p>
@@ -2927,7 +2927,7 @@
             <a:fld id="{20CE17AF-4091-48A7-8681-C3B1BE5CA3B0}" type="datetime1">
               <a:rPr lang="en-GB" smtClean="0"/>
               <a:pPr/>
-              <a:t>01/02/2015</a:t>
+              <a:t>04/03/2016</a:t>
             </a:fld>
             <a:endParaRPr lang="en-GB" dirty="0"/>
           </a:p>
@@ -3177,7 +3177,7 @@
           <a:p>
             <a:fld id="{20CE17AF-4091-48A7-8681-C3B1BE5CA3B0}" type="datetime1">
               <a:rPr lang="en-GB" smtClean="0"/>
-              <a:t>01/02/2015</a:t>
+              <a:t>04/03/2016</a:t>
             </a:fld>
             <a:endParaRPr lang="en-GB" dirty="0"/>
           </a:p>
@@ -3291,7 +3291,7 @@
             <a:fld id="{20CE17AF-4091-48A7-8681-C3B1BE5CA3B0}" type="datetime1">
               <a:rPr lang="en-GB" smtClean="0"/>
               <a:pPr/>
-              <a:t>01/02/2015</a:t>
+              <a:t>04/03/2016</a:t>
             </a:fld>
             <a:endParaRPr lang="en-GB" dirty="0"/>
           </a:p>
@@ -3557,7 +3557,7 @@
             <a:fld id="{20CE17AF-4091-48A7-8681-C3B1BE5CA3B0}" type="datetime1">
               <a:rPr lang="en-GB" smtClean="0"/>
               <a:pPr/>
-              <a:t>01/02/2015</a:t>
+              <a:t>04/03/2016</a:t>
             </a:fld>
             <a:endParaRPr lang="en-GB" dirty="0"/>
           </a:p>
@@ -3909,7 +3909,7 @@
             <a:fld id="{20CE17AF-4091-48A7-8681-C3B1BE5CA3B0}" type="datetime1">
               <a:rPr lang="en-GB" smtClean="0"/>
               <a:pPr/>
-              <a:t>01/02/2015</a:t>
+              <a:t>04/03/2016</a:t>
             </a:fld>
             <a:endParaRPr lang="en-GB" dirty="0"/>
           </a:p>
@@ -4373,8 +4373,8 @@
           </a:p>
         </p:txBody>
       </p:sp>
-      <mc:AlternateContent xmlns:mc="http://schemas.openxmlformats.org/markup-compatibility/2006">
-        <mc:Choice xmlns:a14="http://schemas.microsoft.com/office/drawing/2010/main" Requires="a14">
+      <mc:AlternateContent xmlns:mc="http://schemas.openxmlformats.org/markup-compatibility/2006" xmlns:a14="http://schemas.microsoft.com/office/drawing/2010/main">
+        <mc:Choice Requires="a14">
           <p:sp>
             <p:nvSpPr>
               <p:cNvPr id="3" name="Text Placeholder 2"/>
@@ -4397,11 +4397,7 @@
               <a:p>
                 <a:r>
                   <a:rPr lang="en-GB" dirty="0" smtClean="0"/>
-                  <a:t>Samin </a:t>
-                </a:r>
-                <a:r>
-                  <a:rPr lang="en-GB" dirty="0" smtClean="0"/>
-                  <a:t>Ishtiaq</a:t>
+                  <a:t>Samin Ishtiaq</a:t>
                 </a:r>
               </a:p>
               <a:p>
@@ -4460,7 +4456,7 @@
             </p:txBody>
           </p:sp>
         </mc:Choice>
-        <mc:Fallback>
+        <mc:Fallback xmlns="">
           <p:sp>
             <p:nvSpPr>
               <p:cNvPr id="3" name="Text Placeholder 2"/>
@@ -5319,7 +5315,7 @@
         <p:spPr>
           <a:xfrm>
             <a:off x="278630" y="1963705"/>
-            <a:ext cx="6272954" cy="1073371"/>
+            <a:ext cx="6272954" cy="692497"/>
           </a:xfrm>
         </p:spPr>
         <p:txBody>
@@ -5330,17 +5326,9 @@
               <a:buNone/>
             </a:pPr>
             <a:r>
-              <a:rPr lang="en-GB" dirty="0" smtClean="0">
-                <a:hlinkClick r:id="rId3"/>
-              </a:rPr>
-              <a:t>http://z3.codeplex.com</a:t>
-            </a:r>
-            <a:endParaRPr lang="en-GB" dirty="0" smtClean="0"/>
-          </a:p>
-          <a:p>
-            <a:pPr marL="0" indent="0">
-              <a:buNone/>
-            </a:pPr>
+              <a:rPr lang="en-GB" dirty="0"/>
+              <a:t>https://github.com/Z3Prover/z3</a:t>
+            </a:r>
             <a:endParaRPr lang="en-GB" dirty="0" smtClean="0"/>
           </a:p>
           <a:p>
@@ -5504,7 +5492,11 @@
             </a:pPr>
             <a:r>
               <a:rPr lang="en-GB" dirty="0" smtClean="0"/>
-              <a:t>- http://z3.codeplex.com</a:t>
+              <a:t>- </a:t>
+            </a:r>
+            <a:r>
+              <a:rPr lang="en-GB" dirty="0"/>
+              <a:t>https://github.com/Z3Prover/z3</a:t>
             </a:r>
             <a:endParaRPr lang="en-GB" dirty="0"/>
           </a:p>
@@ -8473,12 +8465,9 @@
 </file>
 
 <file path=customXml/item1.xml><?xml version="1.0" encoding="utf-8"?>
-<?mso-contentType ?>
-<FormTemplates xmlns="http://schemas.microsoft.com/sharepoint/v3/contenttype/forms">
-  <Display>DocumentLibraryForm</Display>
-  <Edit>DocumentLibraryForm</Edit>
-  <New>DocumentLibraryForm</New>
-</FormTemplates>
+<p:properties xmlns:p="http://schemas.microsoft.com/office/2006/metadata/properties" xmlns:xsi="http://www.w3.org/2001/XMLSchema-instance" xmlns:pc="http://schemas.microsoft.com/office/infopath/2007/PartnerControls">
+  <documentManagement/>
+</p:properties>
 </file>
 
 <file path=customXml/item2.xml><?xml version="1.0" encoding="utf-8"?>
@@ -8596,15 +8585,25 @@
 </file>
 
 <file path=customXml/item3.xml><?xml version="1.0" encoding="utf-8"?>
-<p:properties xmlns:p="http://schemas.microsoft.com/office/2006/metadata/properties" xmlns:xsi="http://www.w3.org/2001/XMLSchema-instance" xmlns:pc="http://schemas.microsoft.com/office/infopath/2007/PartnerControls">
-  <documentManagement/>
-</p:properties>
+<?mso-contentType ?>
+<FormTemplates xmlns="http://schemas.microsoft.com/sharepoint/v3/contenttype/forms">
+  <Display>DocumentLibraryForm</Display>
+  <Edit>DocumentLibraryForm</Edit>
+  <New>DocumentLibraryForm</New>
+</FormTemplates>
 </file>
 
 <file path=customXml/itemProps1.xml><?xml version="1.0" encoding="utf-8"?>
-<ds:datastoreItem xmlns:ds="http://schemas.openxmlformats.org/officeDocument/2006/customXml" ds:itemID="{758FDAC0-319D-4A54-8D8E-1D42CB1F8004}">
+<ds:datastoreItem xmlns:ds="http://schemas.openxmlformats.org/officeDocument/2006/customXml" ds:itemID="{F990F116-B58F-4255-B05B-DA3808E0E5C6}">
   <ds:schemaRefs>
-    <ds:schemaRef ds:uri="http://schemas.microsoft.com/sharepoint/v3/contenttype/forms"/>
+    <ds:schemaRef ds:uri="http://purl.org/dc/elements/1.1/"/>
+    <ds:schemaRef ds:uri="http://schemas.microsoft.com/office/2006/documentManagement/types"/>
+    <ds:schemaRef ds:uri="http://purl.org/dc/terms/"/>
+    <ds:schemaRef ds:uri="http://schemas.openxmlformats.org/package/2006/metadata/core-properties"/>
+    <ds:schemaRef ds:uri="http://purl.org/dc/dcmitype/"/>
+    <ds:schemaRef ds:uri="http://schemas.microsoft.com/office/infopath/2007/PartnerControls"/>
+    <ds:schemaRef ds:uri="http://schemas.microsoft.com/office/2006/metadata/properties"/>
+    <ds:schemaRef ds:uri="http://www.w3.org/XML/1998/namespace"/>
   </ds:schemaRefs>
 </ds:datastoreItem>
 </file>
@@ -8626,16 +8625,9 @@
 </file>
 
 <file path=customXml/itemProps3.xml><?xml version="1.0" encoding="utf-8"?>
-<ds:datastoreItem xmlns:ds="http://schemas.openxmlformats.org/officeDocument/2006/customXml" ds:itemID="{F990F116-B58F-4255-B05B-DA3808E0E5C6}">
+<ds:datastoreItem xmlns:ds="http://schemas.openxmlformats.org/officeDocument/2006/customXml" ds:itemID="{758FDAC0-319D-4A54-8D8E-1D42CB1F8004}">
   <ds:schemaRefs>
-    <ds:schemaRef ds:uri="http://purl.org/dc/elements/1.1/"/>
-    <ds:schemaRef ds:uri="http://schemas.microsoft.com/office/2006/documentManagement/types"/>
-    <ds:schemaRef ds:uri="http://purl.org/dc/terms/"/>
-    <ds:schemaRef ds:uri="http://schemas.openxmlformats.org/package/2006/metadata/core-properties"/>
-    <ds:schemaRef ds:uri="http://purl.org/dc/dcmitype/"/>
-    <ds:schemaRef ds:uri="http://schemas.microsoft.com/office/infopath/2007/PartnerControls"/>
-    <ds:schemaRef ds:uri="http://schemas.microsoft.com/office/2006/metadata/properties"/>
-    <ds:schemaRef ds:uri="http://www.w3.org/XML/1998/namespace"/>
+    <ds:schemaRef ds:uri="http://schemas.microsoft.com/sharepoint/v3/contenttype/forms"/>
   </ds:schemaRefs>
 </ds:datastoreItem>
 </file>